--- a/#00 - Material de Apoio/00 - Fundamentos de C#/04 - Linguagem de Programação com C#/PPTs/24 - Structs.pptx
+++ b/#00 - Material de Apoio/00 - Fundamentos de C#/04 - Linguagem de Programação com C#/PPTs/24 - Structs.pptx
@@ -196,7 +196,7 @@
           <a:p>
             <a:fld id="{139EEEC3-02C9-4141-B0CF-4C776CBE4D81}" type="datetimeFigureOut">
               <a:rPr lang="pt-BR" smtClean="0"/>
-              <a:t>23/03/2021</a:t>
+              <a:t>13/04/2021</a:t>
             </a:fld>
             <a:endParaRPr lang="pt-BR"/>
           </a:p>
@@ -603,7 +603,7 @@
           <a:p>
             <a:fld id="{1D8BD707-D9CF-40AE-B4C6-C98DA3205C09}" type="datetimeFigureOut">
               <a:rPr lang="en-US"/>
-              <a:t>3/23/2021</a:t>
+              <a:t>4/13/2021</a:t>
             </a:fld>
             <a:endParaRPr lang="en-US"/>
           </a:p>
@@ -774,7 +774,7 @@
           <a:p>
             <a:fld id="{1D8BD707-D9CF-40AE-B4C6-C98DA3205C09}" type="datetimeFigureOut">
               <a:rPr lang="en-US"/>
-              <a:t>3/23/2021</a:t>
+              <a:t>4/13/2021</a:t>
             </a:fld>
             <a:endParaRPr lang="en-US"/>
           </a:p>
@@ -988,7 +988,7 @@
           <a:p>
             <a:fld id="{1D8BD707-D9CF-40AE-B4C6-C98DA3205C09}" type="datetimeFigureOut">
               <a:rPr lang="en-US"/>
-              <a:t>3/23/2021</a:t>
+              <a:t>4/13/2021</a:t>
             </a:fld>
             <a:endParaRPr lang="en-US"/>
           </a:p>
@@ -1231,7 +1231,7 @@
           <a:p>
             <a:fld id="{1D8BD707-D9CF-40AE-B4C6-C98DA3205C09}" type="datetimeFigureOut">
               <a:rPr lang="en-US"/>
-              <a:t>3/23/2021</a:t>
+              <a:t>4/13/2021</a:t>
             </a:fld>
             <a:endParaRPr lang="en-US"/>
           </a:p>
@@ -1350,7 +1350,7 @@
           <a:p>
             <a:fld id="{1D8BD707-D9CF-40AE-B4C6-C98DA3205C09}" type="datetimeFigureOut">
               <a:rPr lang="en-US"/>
-              <a:t>3/23/2021</a:t>
+              <a:t>4/13/2021</a:t>
             </a:fld>
             <a:endParaRPr lang="en-US"/>
           </a:p>
@@ -1685,7 +1685,7 @@
           <a:p>
             <a:fld id="{1D8BD707-D9CF-40AE-B4C6-C98DA3205C09}" type="datetimeFigureOut">
               <a:rPr lang="en-US"/>
-              <a:t>3/23/2021</a:t>
+              <a:t>4/13/2021</a:t>
             </a:fld>
             <a:endParaRPr lang="en-US"/>
           </a:p>
@@ -3133,7 +3133,7 @@
               <a:buChar char="§"/>
             </a:pPr>
             <a:r>
-              <a:rPr lang="pt-BR" sz="3600" b="1" kern="0" spc="180" dirty="0">
+              <a:rPr lang="pt-BR" sz="3600" b="1" kern="0" spc="180" smtClean="0">
                 <a:solidFill>
                   <a:schemeClr val="tx1"/>
                 </a:solidFill>
@@ -3141,7 +3141,7 @@
                 <a:cs typeface="Arial"/>
                 <a:hlinkClick r:id="rId3"/>
               </a:rPr>
-              <a:t>https://docs.microsoft.com/pt-br/dotnet/csharp/programming-guide/classes-and-structs/</a:t>
+              <a:t>https://docs.microsoft.com/pt-br/dotnet/csharp/programming-guide/classes-and-structs/classes</a:t>
             </a:r>
             <a:endParaRPr lang="pt-BR" sz="3600" b="1" kern="0" spc="180" dirty="0" smtClean="0">
               <a:solidFill>
